--- a/presentation/perfomance.pptx
+++ b/presentation/perfomance.pptx
@@ -4320,10 +4320,10 @@
       </p:sp>
       <p:pic>
         <p:nvPicPr>
-          <p:cNvPr id="20" name="Рисунок 19">
+          <p:cNvPr id="22" name="Рисунок 21">
             <a:extLst>
               <a:ext uri="{FF2B5EF4-FFF2-40B4-BE49-F238E27FC236}">
-                <a16:creationId xmlns:a16="http://schemas.microsoft.com/office/drawing/2014/main" id="{FFBF1001-48B5-4E1E-AD2A-82BEE082651E}"/>
+                <a16:creationId xmlns:a16="http://schemas.microsoft.com/office/drawing/2014/main" id="{0EC35DB4-2216-43ED-A9CC-FAEE234F542C}"/>
               </a:ext>
             </a:extLst>
           </p:cNvPr>
@@ -4340,8 +4340,8 @@
         </p:blipFill>
         <p:spPr>
           <a:xfrm>
-            <a:off x="1943100" y="1616990"/>
-            <a:ext cx="14401800" cy="8648700"/>
+            <a:off x="1828800" y="1584255"/>
+            <a:ext cx="13639800" cy="8833876"/>
           </a:xfrm>
           <a:prstGeom prst="rect">
             <a:avLst/>

--- a/presentation/perfomance.pptx
+++ b/presentation/perfomance.pptx
@@ -5176,6 +5176,61 @@
           </a:p>
         </p:txBody>
       </p:sp>
+      <p:sp>
+        <p:nvSpPr>
+          <p:cNvPr id="6" name="TextBox 5">
+            <a:extLst>
+              <a:ext uri="{FF2B5EF4-FFF2-40B4-BE49-F238E27FC236}">
+                <a16:creationId xmlns:a16="http://schemas.microsoft.com/office/drawing/2014/main" id="{E534E11A-9810-4D3D-9D13-840D43DD6D7A}"/>
+              </a:ext>
+            </a:extLst>
+          </p:cNvPr>
+          <p:cNvSpPr txBox="1"/>
+          <p:nvPr/>
+        </p:nvSpPr>
+        <p:spPr>
+          <a:xfrm>
+            <a:off x="1371600" y="8555057"/>
+            <a:ext cx="7239000" cy="1015663"/>
+          </a:xfrm>
+          <a:prstGeom prst="rect">
+            <a:avLst/>
+          </a:prstGeom>
+          <a:noFill/>
+        </p:spPr>
+        <p:txBody>
+          <a:bodyPr wrap="square" lIns="0" tIns="0" rIns="0" bIns="0" rtlCol="0">
+            <a:spAutoFit/>
+          </a:bodyPr>
+          <a:lstStyle/>
+          <a:p>
+            <a:r>
+              <a:rPr lang="el-GR" sz="6600" i="0" dirty="0">
+                <a:effectLst/>
+                <a:latin typeface="Palatino Linotype" panose="02040502050505030304" pitchFamily="18" charset="0"/>
+              </a:rPr>
+              <a:t>Σ</a:t>
+            </a:r>
+            <a:r>
+              <a:rPr lang="ru-RU" sz="6600" i="0" dirty="0">
+                <a:effectLst/>
+                <a:latin typeface="Palatino Linotype" panose="02040502050505030304" pitchFamily="18" charset="0"/>
+              </a:rPr>
+              <a:t> = 1339 руб.</a:t>
+            </a:r>
+            <a:r>
+              <a:rPr lang="ru-RU" sz="6600" b="1" i="0" dirty="0">
+                <a:effectLst/>
+                <a:latin typeface="Palatino Linotype" panose="02040502050505030304" pitchFamily="18" charset="0"/>
+              </a:rPr>
+              <a:t> </a:t>
+            </a:r>
+            <a:endParaRPr lang="ru-RU" sz="6600" dirty="0">
+              <a:latin typeface="Palatino Linotype" panose="02040502050505030304" pitchFamily="18" charset="0"/>
+            </a:endParaRPr>
+          </a:p>
+        </p:txBody>
+      </p:sp>
     </p:spTree>
     <p:extLst>
       <p:ext uri="{BB962C8B-B14F-4D97-AF65-F5344CB8AC3E}">
@@ -5308,6 +5363,1430 @@
           </a:prstGeom>
         </p:spPr>
       </p:pic>
+      <p:sp>
+        <p:nvSpPr>
+          <p:cNvPr id="29" name="Полилиния: фигура 28">
+            <a:extLst>
+              <a:ext uri="{FF2B5EF4-FFF2-40B4-BE49-F238E27FC236}">
+                <a16:creationId xmlns:a16="http://schemas.microsoft.com/office/drawing/2014/main" id="{F9968DC0-46EB-4EB9-AD09-4AB630603E67}"/>
+              </a:ext>
+            </a:extLst>
+          </p:cNvPr>
+          <p:cNvSpPr/>
+          <p:nvPr/>
+        </p:nvSpPr>
+        <p:spPr>
+          <a:xfrm>
+            <a:off x="7032625" y="7248525"/>
+            <a:ext cx="17463" cy="915988"/>
+          </a:xfrm>
+          <a:custGeom>
+            <a:avLst/>
+            <a:gdLst>
+              <a:gd name="connsiteX0" fmla="*/ 17463 w 17463"/>
+              <a:gd name="connsiteY0" fmla="*/ 915988 h 915988"/>
+              <a:gd name="connsiteX1" fmla="*/ 0 w 17463"/>
+              <a:gd name="connsiteY1" fmla="*/ 0 h 915988"/>
+              <a:gd name="connsiteX2" fmla="*/ 0 w 17463"/>
+              <a:gd name="connsiteY2" fmla="*/ 0 h 915988"/>
+              <a:gd name="connsiteX3" fmla="*/ 0 w 17463"/>
+              <a:gd name="connsiteY3" fmla="*/ 0 h 915988"/>
+            </a:gdLst>
+            <a:ahLst/>
+            <a:cxnLst>
+              <a:cxn ang="0">
+                <a:pos x="connsiteX0" y="connsiteY0"/>
+              </a:cxn>
+              <a:cxn ang="0">
+                <a:pos x="connsiteX1" y="connsiteY1"/>
+              </a:cxn>
+              <a:cxn ang="0">
+                <a:pos x="connsiteX2" y="connsiteY2"/>
+              </a:cxn>
+              <a:cxn ang="0">
+                <a:pos x="connsiteX3" y="connsiteY3"/>
+              </a:cxn>
+            </a:cxnLst>
+            <a:rect l="l" t="t" r="r" b="b"/>
+            <a:pathLst>
+              <a:path w="17463" h="915988">
+                <a:moveTo>
+                  <a:pt x="17463" y="915988"/>
+                </a:moveTo>
+                <a:lnTo>
+                  <a:pt x="0" y="0"/>
+                </a:lnTo>
+                <a:lnTo>
+                  <a:pt x="0" y="0"/>
+                </a:lnTo>
+                <a:lnTo>
+                  <a:pt x="0" y="0"/>
+                </a:lnTo>
+              </a:path>
+            </a:pathLst>
+          </a:custGeom>
+          <a:noFill/>
+        </p:spPr>
+        <p:style>
+          <a:lnRef idx="2">
+            <a:schemeClr val="accent1">
+              <a:shade val="50000"/>
+            </a:schemeClr>
+          </a:lnRef>
+          <a:fillRef idx="1">
+            <a:schemeClr val="accent1"/>
+          </a:fillRef>
+          <a:effectRef idx="0">
+            <a:schemeClr val="accent1"/>
+          </a:effectRef>
+          <a:fontRef idx="minor">
+            <a:schemeClr val="lt1"/>
+          </a:fontRef>
+        </p:style>
+        <p:txBody>
+          <a:bodyPr rtlCol="0" anchor="ctr"/>
+          <a:lstStyle/>
+          <a:p>
+            <a:pPr algn="ctr"/>
+            <a:endParaRPr lang="ru-RU"/>
+          </a:p>
+        </p:txBody>
+      </p:sp>
+      <p:sp>
+        <p:nvSpPr>
+          <p:cNvPr id="31" name="Полилиния: фигура 30">
+            <a:extLst>
+              <a:ext uri="{FF2B5EF4-FFF2-40B4-BE49-F238E27FC236}">
+                <a16:creationId xmlns:a16="http://schemas.microsoft.com/office/drawing/2014/main" id="{1620CDE1-EB2C-4A52-A6D2-834DAEFD45B0}"/>
+              </a:ext>
+            </a:extLst>
+          </p:cNvPr>
+          <p:cNvSpPr/>
+          <p:nvPr/>
+        </p:nvSpPr>
+        <p:spPr>
+          <a:xfrm>
+            <a:off x="9135268" y="7248525"/>
+            <a:ext cx="17463" cy="915988"/>
+          </a:xfrm>
+          <a:custGeom>
+            <a:avLst/>
+            <a:gdLst>
+              <a:gd name="connsiteX0" fmla="*/ 17463 w 17463"/>
+              <a:gd name="connsiteY0" fmla="*/ 915988 h 915988"/>
+              <a:gd name="connsiteX1" fmla="*/ 0 w 17463"/>
+              <a:gd name="connsiteY1" fmla="*/ 0 h 915988"/>
+              <a:gd name="connsiteX2" fmla="*/ 0 w 17463"/>
+              <a:gd name="connsiteY2" fmla="*/ 0 h 915988"/>
+              <a:gd name="connsiteX3" fmla="*/ 0 w 17463"/>
+              <a:gd name="connsiteY3" fmla="*/ 0 h 915988"/>
+            </a:gdLst>
+            <a:ahLst/>
+            <a:cxnLst>
+              <a:cxn ang="0">
+                <a:pos x="connsiteX0" y="connsiteY0"/>
+              </a:cxn>
+              <a:cxn ang="0">
+                <a:pos x="connsiteX1" y="connsiteY1"/>
+              </a:cxn>
+              <a:cxn ang="0">
+                <a:pos x="connsiteX2" y="connsiteY2"/>
+              </a:cxn>
+              <a:cxn ang="0">
+                <a:pos x="connsiteX3" y="connsiteY3"/>
+              </a:cxn>
+            </a:cxnLst>
+            <a:rect l="l" t="t" r="r" b="b"/>
+            <a:pathLst>
+              <a:path w="17463" h="915988">
+                <a:moveTo>
+                  <a:pt x="17463" y="915988"/>
+                </a:moveTo>
+                <a:lnTo>
+                  <a:pt x="0" y="0"/>
+                </a:lnTo>
+                <a:lnTo>
+                  <a:pt x="0" y="0"/>
+                </a:lnTo>
+                <a:lnTo>
+                  <a:pt x="0" y="0"/>
+                </a:lnTo>
+              </a:path>
+            </a:pathLst>
+          </a:custGeom>
+          <a:noFill/>
+        </p:spPr>
+        <p:style>
+          <a:lnRef idx="2">
+            <a:schemeClr val="accent1">
+              <a:shade val="50000"/>
+            </a:schemeClr>
+          </a:lnRef>
+          <a:fillRef idx="1">
+            <a:schemeClr val="accent1"/>
+          </a:fillRef>
+          <a:effectRef idx="0">
+            <a:schemeClr val="accent1"/>
+          </a:effectRef>
+          <a:fontRef idx="minor">
+            <a:schemeClr val="lt1"/>
+          </a:fontRef>
+        </p:style>
+        <p:txBody>
+          <a:bodyPr rtlCol="0" anchor="ctr"/>
+          <a:lstStyle/>
+          <a:p>
+            <a:pPr algn="ctr"/>
+            <a:endParaRPr lang="ru-RU"/>
+          </a:p>
+        </p:txBody>
+      </p:sp>
+      <p:sp>
+        <p:nvSpPr>
+          <p:cNvPr id="32" name="Полилиния: фигура 31">
+            <a:extLst>
+              <a:ext uri="{FF2B5EF4-FFF2-40B4-BE49-F238E27FC236}">
+                <a16:creationId xmlns:a16="http://schemas.microsoft.com/office/drawing/2014/main" id="{886C35AD-0E96-4ECF-AD08-2C5E36CA1209}"/>
+              </a:ext>
+            </a:extLst>
+          </p:cNvPr>
+          <p:cNvSpPr/>
+          <p:nvPr/>
+        </p:nvSpPr>
+        <p:spPr>
+          <a:xfrm>
+            <a:off x="9117805" y="6332537"/>
+            <a:ext cx="17463" cy="915988"/>
+          </a:xfrm>
+          <a:custGeom>
+            <a:avLst/>
+            <a:gdLst>
+              <a:gd name="connsiteX0" fmla="*/ 17463 w 17463"/>
+              <a:gd name="connsiteY0" fmla="*/ 915988 h 915988"/>
+              <a:gd name="connsiteX1" fmla="*/ 0 w 17463"/>
+              <a:gd name="connsiteY1" fmla="*/ 0 h 915988"/>
+              <a:gd name="connsiteX2" fmla="*/ 0 w 17463"/>
+              <a:gd name="connsiteY2" fmla="*/ 0 h 915988"/>
+              <a:gd name="connsiteX3" fmla="*/ 0 w 17463"/>
+              <a:gd name="connsiteY3" fmla="*/ 0 h 915988"/>
+            </a:gdLst>
+            <a:ahLst/>
+            <a:cxnLst>
+              <a:cxn ang="0">
+                <a:pos x="connsiteX0" y="connsiteY0"/>
+              </a:cxn>
+              <a:cxn ang="0">
+                <a:pos x="connsiteX1" y="connsiteY1"/>
+              </a:cxn>
+              <a:cxn ang="0">
+                <a:pos x="connsiteX2" y="connsiteY2"/>
+              </a:cxn>
+              <a:cxn ang="0">
+                <a:pos x="connsiteX3" y="connsiteY3"/>
+              </a:cxn>
+            </a:cxnLst>
+            <a:rect l="l" t="t" r="r" b="b"/>
+            <a:pathLst>
+              <a:path w="17463" h="915988">
+                <a:moveTo>
+                  <a:pt x="17463" y="915988"/>
+                </a:moveTo>
+                <a:lnTo>
+                  <a:pt x="0" y="0"/>
+                </a:lnTo>
+                <a:lnTo>
+                  <a:pt x="0" y="0"/>
+                </a:lnTo>
+                <a:lnTo>
+                  <a:pt x="0" y="0"/>
+                </a:lnTo>
+              </a:path>
+            </a:pathLst>
+          </a:custGeom>
+          <a:noFill/>
+        </p:spPr>
+        <p:style>
+          <a:lnRef idx="2">
+            <a:schemeClr val="accent1">
+              <a:shade val="50000"/>
+            </a:schemeClr>
+          </a:lnRef>
+          <a:fillRef idx="1">
+            <a:schemeClr val="accent1"/>
+          </a:fillRef>
+          <a:effectRef idx="0">
+            <a:schemeClr val="accent1"/>
+          </a:effectRef>
+          <a:fontRef idx="minor">
+            <a:schemeClr val="lt1"/>
+          </a:fontRef>
+        </p:style>
+        <p:txBody>
+          <a:bodyPr rtlCol="0" anchor="ctr"/>
+          <a:lstStyle/>
+          <a:p>
+            <a:pPr algn="ctr"/>
+            <a:endParaRPr lang="ru-RU"/>
+          </a:p>
+        </p:txBody>
+      </p:sp>
+      <p:sp>
+        <p:nvSpPr>
+          <p:cNvPr id="33" name="Полилиния: фигура 32">
+            <a:extLst>
+              <a:ext uri="{FF2B5EF4-FFF2-40B4-BE49-F238E27FC236}">
+                <a16:creationId xmlns:a16="http://schemas.microsoft.com/office/drawing/2014/main" id="{C1D07B3F-2A35-4FB1-A656-6C7351BA8483}"/>
+              </a:ext>
+            </a:extLst>
+          </p:cNvPr>
+          <p:cNvSpPr/>
+          <p:nvPr/>
+        </p:nvSpPr>
+        <p:spPr>
+          <a:xfrm>
+            <a:off x="11237911" y="7223125"/>
+            <a:ext cx="17463" cy="915988"/>
+          </a:xfrm>
+          <a:custGeom>
+            <a:avLst/>
+            <a:gdLst>
+              <a:gd name="connsiteX0" fmla="*/ 17463 w 17463"/>
+              <a:gd name="connsiteY0" fmla="*/ 915988 h 915988"/>
+              <a:gd name="connsiteX1" fmla="*/ 0 w 17463"/>
+              <a:gd name="connsiteY1" fmla="*/ 0 h 915988"/>
+              <a:gd name="connsiteX2" fmla="*/ 0 w 17463"/>
+              <a:gd name="connsiteY2" fmla="*/ 0 h 915988"/>
+              <a:gd name="connsiteX3" fmla="*/ 0 w 17463"/>
+              <a:gd name="connsiteY3" fmla="*/ 0 h 915988"/>
+            </a:gdLst>
+            <a:ahLst/>
+            <a:cxnLst>
+              <a:cxn ang="0">
+                <a:pos x="connsiteX0" y="connsiteY0"/>
+              </a:cxn>
+              <a:cxn ang="0">
+                <a:pos x="connsiteX1" y="connsiteY1"/>
+              </a:cxn>
+              <a:cxn ang="0">
+                <a:pos x="connsiteX2" y="connsiteY2"/>
+              </a:cxn>
+              <a:cxn ang="0">
+                <a:pos x="connsiteX3" y="connsiteY3"/>
+              </a:cxn>
+            </a:cxnLst>
+            <a:rect l="l" t="t" r="r" b="b"/>
+            <a:pathLst>
+              <a:path w="17463" h="915988">
+                <a:moveTo>
+                  <a:pt x="17463" y="915988"/>
+                </a:moveTo>
+                <a:lnTo>
+                  <a:pt x="0" y="0"/>
+                </a:lnTo>
+                <a:lnTo>
+                  <a:pt x="0" y="0"/>
+                </a:lnTo>
+                <a:lnTo>
+                  <a:pt x="0" y="0"/>
+                </a:lnTo>
+              </a:path>
+            </a:pathLst>
+          </a:custGeom>
+          <a:noFill/>
+        </p:spPr>
+        <p:style>
+          <a:lnRef idx="2">
+            <a:schemeClr val="accent1">
+              <a:shade val="50000"/>
+            </a:schemeClr>
+          </a:lnRef>
+          <a:fillRef idx="1">
+            <a:schemeClr val="accent1"/>
+          </a:fillRef>
+          <a:effectRef idx="0">
+            <a:schemeClr val="accent1"/>
+          </a:effectRef>
+          <a:fontRef idx="minor">
+            <a:schemeClr val="lt1"/>
+          </a:fontRef>
+        </p:style>
+        <p:txBody>
+          <a:bodyPr rtlCol="0" anchor="ctr"/>
+          <a:lstStyle/>
+          <a:p>
+            <a:pPr algn="ctr"/>
+            <a:endParaRPr lang="ru-RU"/>
+          </a:p>
+        </p:txBody>
+      </p:sp>
+      <p:sp>
+        <p:nvSpPr>
+          <p:cNvPr id="34" name="Полилиния: фигура 33">
+            <a:extLst>
+              <a:ext uri="{FF2B5EF4-FFF2-40B4-BE49-F238E27FC236}">
+                <a16:creationId xmlns:a16="http://schemas.microsoft.com/office/drawing/2014/main" id="{7319C73C-16E6-4704-87DC-E580B718A7E5}"/>
+              </a:ext>
+            </a:extLst>
+          </p:cNvPr>
+          <p:cNvSpPr/>
+          <p:nvPr/>
+        </p:nvSpPr>
+        <p:spPr>
+          <a:xfrm>
+            <a:off x="11220448" y="6307137"/>
+            <a:ext cx="17463" cy="915988"/>
+          </a:xfrm>
+          <a:custGeom>
+            <a:avLst/>
+            <a:gdLst>
+              <a:gd name="connsiteX0" fmla="*/ 17463 w 17463"/>
+              <a:gd name="connsiteY0" fmla="*/ 915988 h 915988"/>
+              <a:gd name="connsiteX1" fmla="*/ 0 w 17463"/>
+              <a:gd name="connsiteY1" fmla="*/ 0 h 915988"/>
+              <a:gd name="connsiteX2" fmla="*/ 0 w 17463"/>
+              <a:gd name="connsiteY2" fmla="*/ 0 h 915988"/>
+              <a:gd name="connsiteX3" fmla="*/ 0 w 17463"/>
+              <a:gd name="connsiteY3" fmla="*/ 0 h 915988"/>
+            </a:gdLst>
+            <a:ahLst/>
+            <a:cxnLst>
+              <a:cxn ang="0">
+                <a:pos x="connsiteX0" y="connsiteY0"/>
+              </a:cxn>
+              <a:cxn ang="0">
+                <a:pos x="connsiteX1" y="connsiteY1"/>
+              </a:cxn>
+              <a:cxn ang="0">
+                <a:pos x="connsiteX2" y="connsiteY2"/>
+              </a:cxn>
+              <a:cxn ang="0">
+                <a:pos x="connsiteX3" y="connsiteY3"/>
+              </a:cxn>
+            </a:cxnLst>
+            <a:rect l="l" t="t" r="r" b="b"/>
+            <a:pathLst>
+              <a:path w="17463" h="915988">
+                <a:moveTo>
+                  <a:pt x="17463" y="915988"/>
+                </a:moveTo>
+                <a:lnTo>
+                  <a:pt x="0" y="0"/>
+                </a:lnTo>
+                <a:lnTo>
+                  <a:pt x="0" y="0"/>
+                </a:lnTo>
+                <a:lnTo>
+                  <a:pt x="0" y="0"/>
+                </a:lnTo>
+              </a:path>
+            </a:pathLst>
+          </a:custGeom>
+          <a:noFill/>
+        </p:spPr>
+        <p:style>
+          <a:lnRef idx="2">
+            <a:schemeClr val="accent1">
+              <a:shade val="50000"/>
+            </a:schemeClr>
+          </a:lnRef>
+          <a:fillRef idx="1">
+            <a:schemeClr val="accent1"/>
+          </a:fillRef>
+          <a:effectRef idx="0">
+            <a:schemeClr val="accent1"/>
+          </a:effectRef>
+          <a:fontRef idx="minor">
+            <a:schemeClr val="lt1"/>
+          </a:fontRef>
+        </p:style>
+        <p:txBody>
+          <a:bodyPr rtlCol="0" anchor="ctr"/>
+          <a:lstStyle/>
+          <a:p>
+            <a:pPr algn="ctr"/>
+            <a:endParaRPr lang="ru-RU"/>
+          </a:p>
+        </p:txBody>
+      </p:sp>
+      <p:sp>
+        <p:nvSpPr>
+          <p:cNvPr id="35" name="Полилиния: фигура 34">
+            <a:extLst>
+              <a:ext uri="{FF2B5EF4-FFF2-40B4-BE49-F238E27FC236}">
+                <a16:creationId xmlns:a16="http://schemas.microsoft.com/office/drawing/2014/main" id="{C2834BA5-E5A4-4528-95B3-E0F42AA02D8C}"/>
+              </a:ext>
+            </a:extLst>
+          </p:cNvPr>
+          <p:cNvSpPr/>
+          <p:nvPr/>
+        </p:nvSpPr>
+        <p:spPr>
+          <a:xfrm>
+            <a:off x="11202985" y="5448300"/>
+            <a:ext cx="17463" cy="915988"/>
+          </a:xfrm>
+          <a:custGeom>
+            <a:avLst/>
+            <a:gdLst>
+              <a:gd name="connsiteX0" fmla="*/ 17463 w 17463"/>
+              <a:gd name="connsiteY0" fmla="*/ 915988 h 915988"/>
+              <a:gd name="connsiteX1" fmla="*/ 0 w 17463"/>
+              <a:gd name="connsiteY1" fmla="*/ 0 h 915988"/>
+              <a:gd name="connsiteX2" fmla="*/ 0 w 17463"/>
+              <a:gd name="connsiteY2" fmla="*/ 0 h 915988"/>
+              <a:gd name="connsiteX3" fmla="*/ 0 w 17463"/>
+              <a:gd name="connsiteY3" fmla="*/ 0 h 915988"/>
+            </a:gdLst>
+            <a:ahLst/>
+            <a:cxnLst>
+              <a:cxn ang="0">
+                <a:pos x="connsiteX0" y="connsiteY0"/>
+              </a:cxn>
+              <a:cxn ang="0">
+                <a:pos x="connsiteX1" y="connsiteY1"/>
+              </a:cxn>
+              <a:cxn ang="0">
+                <a:pos x="connsiteX2" y="connsiteY2"/>
+              </a:cxn>
+              <a:cxn ang="0">
+                <a:pos x="connsiteX3" y="connsiteY3"/>
+              </a:cxn>
+            </a:cxnLst>
+            <a:rect l="l" t="t" r="r" b="b"/>
+            <a:pathLst>
+              <a:path w="17463" h="915988">
+                <a:moveTo>
+                  <a:pt x="17463" y="915988"/>
+                </a:moveTo>
+                <a:lnTo>
+                  <a:pt x="0" y="0"/>
+                </a:lnTo>
+                <a:lnTo>
+                  <a:pt x="0" y="0"/>
+                </a:lnTo>
+                <a:lnTo>
+                  <a:pt x="0" y="0"/>
+                </a:lnTo>
+              </a:path>
+            </a:pathLst>
+          </a:custGeom>
+          <a:noFill/>
+        </p:spPr>
+        <p:style>
+          <a:lnRef idx="2">
+            <a:schemeClr val="accent1">
+              <a:shade val="50000"/>
+            </a:schemeClr>
+          </a:lnRef>
+          <a:fillRef idx="1">
+            <a:schemeClr val="accent1"/>
+          </a:fillRef>
+          <a:effectRef idx="0">
+            <a:schemeClr val="accent1"/>
+          </a:effectRef>
+          <a:fontRef idx="minor">
+            <a:schemeClr val="lt1"/>
+          </a:fontRef>
+        </p:style>
+        <p:txBody>
+          <a:bodyPr rtlCol="0" anchor="ctr"/>
+          <a:lstStyle/>
+          <a:p>
+            <a:pPr algn="ctr"/>
+            <a:endParaRPr lang="ru-RU"/>
+          </a:p>
+        </p:txBody>
+      </p:sp>
+      <p:sp>
+        <p:nvSpPr>
+          <p:cNvPr id="36" name="Полилиния: фигура 35">
+            <a:extLst>
+              <a:ext uri="{FF2B5EF4-FFF2-40B4-BE49-F238E27FC236}">
+                <a16:creationId xmlns:a16="http://schemas.microsoft.com/office/drawing/2014/main" id="{BC92C9B2-66AF-435F-8498-6981C70A030A}"/>
+              </a:ext>
+            </a:extLst>
+          </p:cNvPr>
+          <p:cNvSpPr/>
+          <p:nvPr/>
+        </p:nvSpPr>
+        <p:spPr>
+          <a:xfrm>
+            <a:off x="13340554" y="7231592"/>
+            <a:ext cx="17463" cy="915988"/>
+          </a:xfrm>
+          <a:custGeom>
+            <a:avLst/>
+            <a:gdLst>
+              <a:gd name="connsiteX0" fmla="*/ 17463 w 17463"/>
+              <a:gd name="connsiteY0" fmla="*/ 915988 h 915988"/>
+              <a:gd name="connsiteX1" fmla="*/ 0 w 17463"/>
+              <a:gd name="connsiteY1" fmla="*/ 0 h 915988"/>
+              <a:gd name="connsiteX2" fmla="*/ 0 w 17463"/>
+              <a:gd name="connsiteY2" fmla="*/ 0 h 915988"/>
+              <a:gd name="connsiteX3" fmla="*/ 0 w 17463"/>
+              <a:gd name="connsiteY3" fmla="*/ 0 h 915988"/>
+            </a:gdLst>
+            <a:ahLst/>
+            <a:cxnLst>
+              <a:cxn ang="0">
+                <a:pos x="connsiteX0" y="connsiteY0"/>
+              </a:cxn>
+              <a:cxn ang="0">
+                <a:pos x="connsiteX1" y="connsiteY1"/>
+              </a:cxn>
+              <a:cxn ang="0">
+                <a:pos x="connsiteX2" y="connsiteY2"/>
+              </a:cxn>
+              <a:cxn ang="0">
+                <a:pos x="connsiteX3" y="connsiteY3"/>
+              </a:cxn>
+            </a:cxnLst>
+            <a:rect l="l" t="t" r="r" b="b"/>
+            <a:pathLst>
+              <a:path w="17463" h="915988">
+                <a:moveTo>
+                  <a:pt x="17463" y="915988"/>
+                </a:moveTo>
+                <a:lnTo>
+                  <a:pt x="0" y="0"/>
+                </a:lnTo>
+                <a:lnTo>
+                  <a:pt x="0" y="0"/>
+                </a:lnTo>
+                <a:lnTo>
+                  <a:pt x="0" y="0"/>
+                </a:lnTo>
+              </a:path>
+            </a:pathLst>
+          </a:custGeom>
+          <a:noFill/>
+        </p:spPr>
+        <p:style>
+          <a:lnRef idx="2">
+            <a:schemeClr val="accent1">
+              <a:shade val="50000"/>
+            </a:schemeClr>
+          </a:lnRef>
+          <a:fillRef idx="1">
+            <a:schemeClr val="accent1"/>
+          </a:fillRef>
+          <a:effectRef idx="0">
+            <a:schemeClr val="accent1"/>
+          </a:effectRef>
+          <a:fontRef idx="minor">
+            <a:schemeClr val="lt1"/>
+          </a:fontRef>
+        </p:style>
+        <p:txBody>
+          <a:bodyPr rtlCol="0" anchor="ctr"/>
+          <a:lstStyle/>
+          <a:p>
+            <a:pPr algn="ctr"/>
+            <a:endParaRPr lang="ru-RU"/>
+          </a:p>
+        </p:txBody>
+      </p:sp>
+      <p:sp>
+        <p:nvSpPr>
+          <p:cNvPr id="37" name="Полилиния: фигура 36">
+            <a:extLst>
+              <a:ext uri="{FF2B5EF4-FFF2-40B4-BE49-F238E27FC236}">
+                <a16:creationId xmlns:a16="http://schemas.microsoft.com/office/drawing/2014/main" id="{0E48EC9F-7F6F-4F72-A5BF-99AE4922FC3E}"/>
+              </a:ext>
+            </a:extLst>
+          </p:cNvPr>
+          <p:cNvSpPr/>
+          <p:nvPr/>
+        </p:nvSpPr>
+        <p:spPr>
+          <a:xfrm>
+            <a:off x="13323091" y="6315604"/>
+            <a:ext cx="17463" cy="915988"/>
+          </a:xfrm>
+          <a:custGeom>
+            <a:avLst/>
+            <a:gdLst>
+              <a:gd name="connsiteX0" fmla="*/ 17463 w 17463"/>
+              <a:gd name="connsiteY0" fmla="*/ 915988 h 915988"/>
+              <a:gd name="connsiteX1" fmla="*/ 0 w 17463"/>
+              <a:gd name="connsiteY1" fmla="*/ 0 h 915988"/>
+              <a:gd name="connsiteX2" fmla="*/ 0 w 17463"/>
+              <a:gd name="connsiteY2" fmla="*/ 0 h 915988"/>
+              <a:gd name="connsiteX3" fmla="*/ 0 w 17463"/>
+              <a:gd name="connsiteY3" fmla="*/ 0 h 915988"/>
+            </a:gdLst>
+            <a:ahLst/>
+            <a:cxnLst>
+              <a:cxn ang="0">
+                <a:pos x="connsiteX0" y="connsiteY0"/>
+              </a:cxn>
+              <a:cxn ang="0">
+                <a:pos x="connsiteX1" y="connsiteY1"/>
+              </a:cxn>
+              <a:cxn ang="0">
+                <a:pos x="connsiteX2" y="connsiteY2"/>
+              </a:cxn>
+              <a:cxn ang="0">
+                <a:pos x="connsiteX3" y="connsiteY3"/>
+              </a:cxn>
+            </a:cxnLst>
+            <a:rect l="l" t="t" r="r" b="b"/>
+            <a:pathLst>
+              <a:path w="17463" h="915988">
+                <a:moveTo>
+                  <a:pt x="17463" y="915988"/>
+                </a:moveTo>
+                <a:lnTo>
+                  <a:pt x="0" y="0"/>
+                </a:lnTo>
+                <a:lnTo>
+                  <a:pt x="0" y="0"/>
+                </a:lnTo>
+                <a:lnTo>
+                  <a:pt x="0" y="0"/>
+                </a:lnTo>
+              </a:path>
+            </a:pathLst>
+          </a:custGeom>
+          <a:noFill/>
+        </p:spPr>
+        <p:style>
+          <a:lnRef idx="2">
+            <a:schemeClr val="accent1">
+              <a:shade val="50000"/>
+            </a:schemeClr>
+          </a:lnRef>
+          <a:fillRef idx="1">
+            <a:schemeClr val="accent1"/>
+          </a:fillRef>
+          <a:effectRef idx="0">
+            <a:schemeClr val="accent1"/>
+          </a:effectRef>
+          <a:fontRef idx="minor">
+            <a:schemeClr val="lt1"/>
+          </a:fontRef>
+        </p:style>
+        <p:txBody>
+          <a:bodyPr rtlCol="0" anchor="ctr"/>
+          <a:lstStyle/>
+          <a:p>
+            <a:pPr algn="ctr"/>
+            <a:endParaRPr lang="ru-RU"/>
+          </a:p>
+        </p:txBody>
+      </p:sp>
+      <p:sp>
+        <p:nvSpPr>
+          <p:cNvPr id="38" name="Полилиния: фигура 37">
+            <a:extLst>
+              <a:ext uri="{FF2B5EF4-FFF2-40B4-BE49-F238E27FC236}">
+                <a16:creationId xmlns:a16="http://schemas.microsoft.com/office/drawing/2014/main" id="{70CB29A3-D5C0-4AEF-B6AA-93395E94B929}"/>
+              </a:ext>
+            </a:extLst>
+          </p:cNvPr>
+          <p:cNvSpPr/>
+          <p:nvPr/>
+        </p:nvSpPr>
+        <p:spPr>
+          <a:xfrm>
+            <a:off x="13305628" y="5416549"/>
+            <a:ext cx="17463" cy="915988"/>
+          </a:xfrm>
+          <a:custGeom>
+            <a:avLst/>
+            <a:gdLst>
+              <a:gd name="connsiteX0" fmla="*/ 17463 w 17463"/>
+              <a:gd name="connsiteY0" fmla="*/ 915988 h 915988"/>
+              <a:gd name="connsiteX1" fmla="*/ 0 w 17463"/>
+              <a:gd name="connsiteY1" fmla="*/ 0 h 915988"/>
+              <a:gd name="connsiteX2" fmla="*/ 0 w 17463"/>
+              <a:gd name="connsiteY2" fmla="*/ 0 h 915988"/>
+              <a:gd name="connsiteX3" fmla="*/ 0 w 17463"/>
+              <a:gd name="connsiteY3" fmla="*/ 0 h 915988"/>
+            </a:gdLst>
+            <a:ahLst/>
+            <a:cxnLst>
+              <a:cxn ang="0">
+                <a:pos x="connsiteX0" y="connsiteY0"/>
+              </a:cxn>
+              <a:cxn ang="0">
+                <a:pos x="connsiteX1" y="connsiteY1"/>
+              </a:cxn>
+              <a:cxn ang="0">
+                <a:pos x="connsiteX2" y="connsiteY2"/>
+              </a:cxn>
+              <a:cxn ang="0">
+                <a:pos x="connsiteX3" y="connsiteY3"/>
+              </a:cxn>
+            </a:cxnLst>
+            <a:rect l="l" t="t" r="r" b="b"/>
+            <a:pathLst>
+              <a:path w="17463" h="915988">
+                <a:moveTo>
+                  <a:pt x="17463" y="915988"/>
+                </a:moveTo>
+                <a:lnTo>
+                  <a:pt x="0" y="0"/>
+                </a:lnTo>
+                <a:lnTo>
+                  <a:pt x="0" y="0"/>
+                </a:lnTo>
+                <a:lnTo>
+                  <a:pt x="0" y="0"/>
+                </a:lnTo>
+              </a:path>
+            </a:pathLst>
+          </a:custGeom>
+          <a:noFill/>
+        </p:spPr>
+        <p:style>
+          <a:lnRef idx="2">
+            <a:schemeClr val="accent1">
+              <a:shade val="50000"/>
+            </a:schemeClr>
+          </a:lnRef>
+          <a:fillRef idx="1">
+            <a:schemeClr val="accent1"/>
+          </a:fillRef>
+          <a:effectRef idx="0">
+            <a:schemeClr val="accent1"/>
+          </a:effectRef>
+          <a:fontRef idx="minor">
+            <a:schemeClr val="lt1"/>
+          </a:fontRef>
+        </p:style>
+        <p:txBody>
+          <a:bodyPr rtlCol="0" anchor="ctr"/>
+          <a:lstStyle/>
+          <a:p>
+            <a:pPr algn="ctr"/>
+            <a:endParaRPr lang="ru-RU"/>
+          </a:p>
+        </p:txBody>
+      </p:sp>
+      <p:sp>
+        <p:nvSpPr>
+          <p:cNvPr id="39" name="Полилиния: фигура 38">
+            <a:extLst>
+              <a:ext uri="{FF2B5EF4-FFF2-40B4-BE49-F238E27FC236}">
+                <a16:creationId xmlns:a16="http://schemas.microsoft.com/office/drawing/2014/main" id="{4397CB59-174A-4EA2-BB12-D396482C1F71}"/>
+              </a:ext>
+            </a:extLst>
+          </p:cNvPr>
+          <p:cNvSpPr/>
+          <p:nvPr/>
+        </p:nvSpPr>
+        <p:spPr>
+          <a:xfrm>
+            <a:off x="13288165" y="4500561"/>
+            <a:ext cx="17463" cy="915988"/>
+          </a:xfrm>
+          <a:custGeom>
+            <a:avLst/>
+            <a:gdLst>
+              <a:gd name="connsiteX0" fmla="*/ 17463 w 17463"/>
+              <a:gd name="connsiteY0" fmla="*/ 915988 h 915988"/>
+              <a:gd name="connsiteX1" fmla="*/ 0 w 17463"/>
+              <a:gd name="connsiteY1" fmla="*/ 0 h 915988"/>
+              <a:gd name="connsiteX2" fmla="*/ 0 w 17463"/>
+              <a:gd name="connsiteY2" fmla="*/ 0 h 915988"/>
+              <a:gd name="connsiteX3" fmla="*/ 0 w 17463"/>
+              <a:gd name="connsiteY3" fmla="*/ 0 h 915988"/>
+            </a:gdLst>
+            <a:ahLst/>
+            <a:cxnLst>
+              <a:cxn ang="0">
+                <a:pos x="connsiteX0" y="connsiteY0"/>
+              </a:cxn>
+              <a:cxn ang="0">
+                <a:pos x="connsiteX1" y="connsiteY1"/>
+              </a:cxn>
+              <a:cxn ang="0">
+                <a:pos x="connsiteX2" y="connsiteY2"/>
+              </a:cxn>
+              <a:cxn ang="0">
+                <a:pos x="connsiteX3" y="connsiteY3"/>
+              </a:cxn>
+            </a:cxnLst>
+            <a:rect l="l" t="t" r="r" b="b"/>
+            <a:pathLst>
+              <a:path w="17463" h="915988">
+                <a:moveTo>
+                  <a:pt x="17463" y="915988"/>
+                </a:moveTo>
+                <a:lnTo>
+                  <a:pt x="0" y="0"/>
+                </a:lnTo>
+                <a:lnTo>
+                  <a:pt x="0" y="0"/>
+                </a:lnTo>
+                <a:lnTo>
+                  <a:pt x="0" y="0"/>
+                </a:lnTo>
+              </a:path>
+            </a:pathLst>
+          </a:custGeom>
+          <a:noFill/>
+        </p:spPr>
+        <p:style>
+          <a:lnRef idx="2">
+            <a:schemeClr val="accent1">
+              <a:shade val="50000"/>
+            </a:schemeClr>
+          </a:lnRef>
+          <a:fillRef idx="1">
+            <a:schemeClr val="accent1"/>
+          </a:fillRef>
+          <a:effectRef idx="0">
+            <a:schemeClr val="accent1"/>
+          </a:effectRef>
+          <a:fontRef idx="minor">
+            <a:schemeClr val="lt1"/>
+          </a:fontRef>
+        </p:style>
+        <p:txBody>
+          <a:bodyPr rtlCol="0" anchor="ctr"/>
+          <a:lstStyle/>
+          <a:p>
+            <a:pPr algn="ctr"/>
+            <a:endParaRPr lang="ru-RU"/>
+          </a:p>
+        </p:txBody>
+      </p:sp>
+      <p:sp>
+        <p:nvSpPr>
+          <p:cNvPr id="40" name="Полилиния: фигура 39">
+            <a:extLst>
+              <a:ext uri="{FF2B5EF4-FFF2-40B4-BE49-F238E27FC236}">
+                <a16:creationId xmlns:a16="http://schemas.microsoft.com/office/drawing/2014/main" id="{33CBB540-1A0A-4977-9027-10A6BA55135D}"/>
+              </a:ext>
+            </a:extLst>
+          </p:cNvPr>
+          <p:cNvSpPr/>
+          <p:nvPr/>
+        </p:nvSpPr>
+        <p:spPr>
+          <a:xfrm>
+            <a:off x="15443197" y="7214659"/>
+            <a:ext cx="17463" cy="915988"/>
+          </a:xfrm>
+          <a:custGeom>
+            <a:avLst/>
+            <a:gdLst>
+              <a:gd name="connsiteX0" fmla="*/ 17463 w 17463"/>
+              <a:gd name="connsiteY0" fmla="*/ 915988 h 915988"/>
+              <a:gd name="connsiteX1" fmla="*/ 0 w 17463"/>
+              <a:gd name="connsiteY1" fmla="*/ 0 h 915988"/>
+              <a:gd name="connsiteX2" fmla="*/ 0 w 17463"/>
+              <a:gd name="connsiteY2" fmla="*/ 0 h 915988"/>
+              <a:gd name="connsiteX3" fmla="*/ 0 w 17463"/>
+              <a:gd name="connsiteY3" fmla="*/ 0 h 915988"/>
+            </a:gdLst>
+            <a:ahLst/>
+            <a:cxnLst>
+              <a:cxn ang="0">
+                <a:pos x="connsiteX0" y="connsiteY0"/>
+              </a:cxn>
+              <a:cxn ang="0">
+                <a:pos x="connsiteX1" y="connsiteY1"/>
+              </a:cxn>
+              <a:cxn ang="0">
+                <a:pos x="connsiteX2" y="connsiteY2"/>
+              </a:cxn>
+              <a:cxn ang="0">
+                <a:pos x="connsiteX3" y="connsiteY3"/>
+              </a:cxn>
+            </a:cxnLst>
+            <a:rect l="l" t="t" r="r" b="b"/>
+            <a:pathLst>
+              <a:path w="17463" h="915988">
+                <a:moveTo>
+                  <a:pt x="17463" y="915988"/>
+                </a:moveTo>
+                <a:lnTo>
+                  <a:pt x="0" y="0"/>
+                </a:lnTo>
+                <a:lnTo>
+                  <a:pt x="0" y="0"/>
+                </a:lnTo>
+                <a:lnTo>
+                  <a:pt x="0" y="0"/>
+                </a:lnTo>
+              </a:path>
+            </a:pathLst>
+          </a:custGeom>
+          <a:noFill/>
+        </p:spPr>
+        <p:style>
+          <a:lnRef idx="2">
+            <a:schemeClr val="accent1">
+              <a:shade val="50000"/>
+            </a:schemeClr>
+          </a:lnRef>
+          <a:fillRef idx="1">
+            <a:schemeClr val="accent1"/>
+          </a:fillRef>
+          <a:effectRef idx="0">
+            <a:schemeClr val="accent1"/>
+          </a:effectRef>
+          <a:fontRef idx="minor">
+            <a:schemeClr val="lt1"/>
+          </a:fontRef>
+        </p:style>
+        <p:txBody>
+          <a:bodyPr rtlCol="0" anchor="ctr"/>
+          <a:lstStyle/>
+          <a:p>
+            <a:pPr algn="ctr"/>
+            <a:endParaRPr lang="ru-RU"/>
+          </a:p>
+        </p:txBody>
+      </p:sp>
+      <p:sp>
+        <p:nvSpPr>
+          <p:cNvPr id="41" name="Полилиния: фигура 40">
+            <a:extLst>
+              <a:ext uri="{FF2B5EF4-FFF2-40B4-BE49-F238E27FC236}">
+                <a16:creationId xmlns:a16="http://schemas.microsoft.com/office/drawing/2014/main" id="{5AFF0A51-4890-4B6B-9ACA-ED58305544C0}"/>
+              </a:ext>
+            </a:extLst>
+          </p:cNvPr>
+          <p:cNvSpPr/>
+          <p:nvPr/>
+        </p:nvSpPr>
+        <p:spPr>
+          <a:xfrm>
+            <a:off x="15425734" y="6298671"/>
+            <a:ext cx="17463" cy="915988"/>
+          </a:xfrm>
+          <a:custGeom>
+            <a:avLst/>
+            <a:gdLst>
+              <a:gd name="connsiteX0" fmla="*/ 17463 w 17463"/>
+              <a:gd name="connsiteY0" fmla="*/ 915988 h 915988"/>
+              <a:gd name="connsiteX1" fmla="*/ 0 w 17463"/>
+              <a:gd name="connsiteY1" fmla="*/ 0 h 915988"/>
+              <a:gd name="connsiteX2" fmla="*/ 0 w 17463"/>
+              <a:gd name="connsiteY2" fmla="*/ 0 h 915988"/>
+              <a:gd name="connsiteX3" fmla="*/ 0 w 17463"/>
+              <a:gd name="connsiteY3" fmla="*/ 0 h 915988"/>
+            </a:gdLst>
+            <a:ahLst/>
+            <a:cxnLst>
+              <a:cxn ang="0">
+                <a:pos x="connsiteX0" y="connsiteY0"/>
+              </a:cxn>
+              <a:cxn ang="0">
+                <a:pos x="connsiteX1" y="connsiteY1"/>
+              </a:cxn>
+              <a:cxn ang="0">
+                <a:pos x="connsiteX2" y="connsiteY2"/>
+              </a:cxn>
+              <a:cxn ang="0">
+                <a:pos x="connsiteX3" y="connsiteY3"/>
+              </a:cxn>
+            </a:cxnLst>
+            <a:rect l="l" t="t" r="r" b="b"/>
+            <a:pathLst>
+              <a:path w="17463" h="915988">
+                <a:moveTo>
+                  <a:pt x="17463" y="915988"/>
+                </a:moveTo>
+                <a:lnTo>
+                  <a:pt x="0" y="0"/>
+                </a:lnTo>
+                <a:lnTo>
+                  <a:pt x="0" y="0"/>
+                </a:lnTo>
+                <a:lnTo>
+                  <a:pt x="0" y="0"/>
+                </a:lnTo>
+              </a:path>
+            </a:pathLst>
+          </a:custGeom>
+          <a:noFill/>
+        </p:spPr>
+        <p:style>
+          <a:lnRef idx="2">
+            <a:schemeClr val="accent1">
+              <a:shade val="50000"/>
+            </a:schemeClr>
+          </a:lnRef>
+          <a:fillRef idx="1">
+            <a:schemeClr val="accent1"/>
+          </a:fillRef>
+          <a:effectRef idx="0">
+            <a:schemeClr val="accent1"/>
+          </a:effectRef>
+          <a:fontRef idx="minor">
+            <a:schemeClr val="lt1"/>
+          </a:fontRef>
+        </p:style>
+        <p:txBody>
+          <a:bodyPr rtlCol="0" anchor="ctr"/>
+          <a:lstStyle/>
+          <a:p>
+            <a:pPr algn="ctr"/>
+            <a:endParaRPr lang="ru-RU"/>
+          </a:p>
+        </p:txBody>
+      </p:sp>
+      <p:sp>
+        <p:nvSpPr>
+          <p:cNvPr id="42" name="Полилиния: фигура 41">
+            <a:extLst>
+              <a:ext uri="{FF2B5EF4-FFF2-40B4-BE49-F238E27FC236}">
+                <a16:creationId xmlns:a16="http://schemas.microsoft.com/office/drawing/2014/main" id="{44A8491B-F9FD-46D9-A016-42E4FE032921}"/>
+              </a:ext>
+            </a:extLst>
+          </p:cNvPr>
+          <p:cNvSpPr/>
+          <p:nvPr/>
+        </p:nvSpPr>
+        <p:spPr>
+          <a:xfrm>
+            <a:off x="15408271" y="5399616"/>
+            <a:ext cx="17463" cy="915988"/>
+          </a:xfrm>
+          <a:custGeom>
+            <a:avLst/>
+            <a:gdLst>
+              <a:gd name="connsiteX0" fmla="*/ 17463 w 17463"/>
+              <a:gd name="connsiteY0" fmla="*/ 915988 h 915988"/>
+              <a:gd name="connsiteX1" fmla="*/ 0 w 17463"/>
+              <a:gd name="connsiteY1" fmla="*/ 0 h 915988"/>
+              <a:gd name="connsiteX2" fmla="*/ 0 w 17463"/>
+              <a:gd name="connsiteY2" fmla="*/ 0 h 915988"/>
+              <a:gd name="connsiteX3" fmla="*/ 0 w 17463"/>
+              <a:gd name="connsiteY3" fmla="*/ 0 h 915988"/>
+            </a:gdLst>
+            <a:ahLst/>
+            <a:cxnLst>
+              <a:cxn ang="0">
+                <a:pos x="connsiteX0" y="connsiteY0"/>
+              </a:cxn>
+              <a:cxn ang="0">
+                <a:pos x="connsiteX1" y="connsiteY1"/>
+              </a:cxn>
+              <a:cxn ang="0">
+                <a:pos x="connsiteX2" y="connsiteY2"/>
+              </a:cxn>
+              <a:cxn ang="0">
+                <a:pos x="connsiteX3" y="connsiteY3"/>
+              </a:cxn>
+            </a:cxnLst>
+            <a:rect l="l" t="t" r="r" b="b"/>
+            <a:pathLst>
+              <a:path w="17463" h="915988">
+                <a:moveTo>
+                  <a:pt x="17463" y="915988"/>
+                </a:moveTo>
+                <a:lnTo>
+                  <a:pt x="0" y="0"/>
+                </a:lnTo>
+                <a:lnTo>
+                  <a:pt x="0" y="0"/>
+                </a:lnTo>
+                <a:lnTo>
+                  <a:pt x="0" y="0"/>
+                </a:lnTo>
+              </a:path>
+            </a:pathLst>
+          </a:custGeom>
+          <a:noFill/>
+        </p:spPr>
+        <p:style>
+          <a:lnRef idx="2">
+            <a:schemeClr val="accent1">
+              <a:shade val="50000"/>
+            </a:schemeClr>
+          </a:lnRef>
+          <a:fillRef idx="1">
+            <a:schemeClr val="accent1"/>
+          </a:fillRef>
+          <a:effectRef idx="0">
+            <a:schemeClr val="accent1"/>
+          </a:effectRef>
+          <a:fontRef idx="minor">
+            <a:schemeClr val="lt1"/>
+          </a:fontRef>
+        </p:style>
+        <p:txBody>
+          <a:bodyPr rtlCol="0" anchor="ctr"/>
+          <a:lstStyle/>
+          <a:p>
+            <a:pPr algn="ctr"/>
+            <a:endParaRPr lang="ru-RU"/>
+          </a:p>
+        </p:txBody>
+      </p:sp>
+      <p:sp>
+        <p:nvSpPr>
+          <p:cNvPr id="43" name="Полилиния: фигура 42">
+            <a:extLst>
+              <a:ext uri="{FF2B5EF4-FFF2-40B4-BE49-F238E27FC236}">
+                <a16:creationId xmlns:a16="http://schemas.microsoft.com/office/drawing/2014/main" id="{5AA90AC2-7C3A-4B41-91B8-4855B5104283}"/>
+              </a:ext>
+            </a:extLst>
+          </p:cNvPr>
+          <p:cNvSpPr/>
+          <p:nvPr/>
+        </p:nvSpPr>
+        <p:spPr>
+          <a:xfrm>
+            <a:off x="15408100" y="5345378"/>
+            <a:ext cx="17463" cy="915988"/>
+          </a:xfrm>
+          <a:custGeom>
+            <a:avLst/>
+            <a:gdLst>
+              <a:gd name="connsiteX0" fmla="*/ 17463 w 17463"/>
+              <a:gd name="connsiteY0" fmla="*/ 915988 h 915988"/>
+              <a:gd name="connsiteX1" fmla="*/ 0 w 17463"/>
+              <a:gd name="connsiteY1" fmla="*/ 0 h 915988"/>
+              <a:gd name="connsiteX2" fmla="*/ 0 w 17463"/>
+              <a:gd name="connsiteY2" fmla="*/ 0 h 915988"/>
+              <a:gd name="connsiteX3" fmla="*/ 0 w 17463"/>
+              <a:gd name="connsiteY3" fmla="*/ 0 h 915988"/>
+            </a:gdLst>
+            <a:ahLst/>
+            <a:cxnLst>
+              <a:cxn ang="0">
+                <a:pos x="connsiteX0" y="connsiteY0"/>
+              </a:cxn>
+              <a:cxn ang="0">
+                <a:pos x="connsiteX1" y="connsiteY1"/>
+              </a:cxn>
+              <a:cxn ang="0">
+                <a:pos x="connsiteX2" y="connsiteY2"/>
+              </a:cxn>
+              <a:cxn ang="0">
+                <a:pos x="connsiteX3" y="connsiteY3"/>
+              </a:cxn>
+            </a:cxnLst>
+            <a:rect l="l" t="t" r="r" b="b"/>
+            <a:pathLst>
+              <a:path w="17463" h="915988">
+                <a:moveTo>
+                  <a:pt x="17463" y="915988"/>
+                </a:moveTo>
+                <a:lnTo>
+                  <a:pt x="0" y="0"/>
+                </a:lnTo>
+                <a:lnTo>
+                  <a:pt x="0" y="0"/>
+                </a:lnTo>
+                <a:lnTo>
+                  <a:pt x="0" y="0"/>
+                </a:lnTo>
+              </a:path>
+            </a:pathLst>
+          </a:custGeom>
+          <a:noFill/>
+        </p:spPr>
+        <p:style>
+          <a:lnRef idx="2">
+            <a:schemeClr val="accent1">
+              <a:shade val="50000"/>
+            </a:schemeClr>
+          </a:lnRef>
+          <a:fillRef idx="1">
+            <a:schemeClr val="accent1"/>
+          </a:fillRef>
+          <a:effectRef idx="0">
+            <a:schemeClr val="accent1"/>
+          </a:effectRef>
+          <a:fontRef idx="minor">
+            <a:schemeClr val="lt1"/>
+          </a:fontRef>
+        </p:style>
+        <p:txBody>
+          <a:bodyPr rtlCol="0" anchor="ctr"/>
+          <a:lstStyle/>
+          <a:p>
+            <a:pPr algn="ctr"/>
+            <a:endParaRPr lang="ru-RU"/>
+          </a:p>
+        </p:txBody>
+      </p:sp>
+      <p:sp>
+        <p:nvSpPr>
+          <p:cNvPr id="44" name="Полилиния: фигура 43">
+            <a:extLst>
+              <a:ext uri="{FF2B5EF4-FFF2-40B4-BE49-F238E27FC236}">
+                <a16:creationId xmlns:a16="http://schemas.microsoft.com/office/drawing/2014/main" id="{322A4429-5844-44FD-A6A3-CC1CB7B03A86}"/>
+              </a:ext>
+            </a:extLst>
+          </p:cNvPr>
+          <p:cNvSpPr/>
+          <p:nvPr/>
+        </p:nvSpPr>
+        <p:spPr>
+          <a:xfrm>
+            <a:off x="15390637" y="4429390"/>
+            <a:ext cx="17463" cy="915988"/>
+          </a:xfrm>
+          <a:custGeom>
+            <a:avLst/>
+            <a:gdLst>
+              <a:gd name="connsiteX0" fmla="*/ 17463 w 17463"/>
+              <a:gd name="connsiteY0" fmla="*/ 915988 h 915988"/>
+              <a:gd name="connsiteX1" fmla="*/ 0 w 17463"/>
+              <a:gd name="connsiteY1" fmla="*/ 0 h 915988"/>
+              <a:gd name="connsiteX2" fmla="*/ 0 w 17463"/>
+              <a:gd name="connsiteY2" fmla="*/ 0 h 915988"/>
+              <a:gd name="connsiteX3" fmla="*/ 0 w 17463"/>
+              <a:gd name="connsiteY3" fmla="*/ 0 h 915988"/>
+            </a:gdLst>
+            <a:ahLst/>
+            <a:cxnLst>
+              <a:cxn ang="0">
+                <a:pos x="connsiteX0" y="connsiteY0"/>
+              </a:cxn>
+              <a:cxn ang="0">
+                <a:pos x="connsiteX1" y="connsiteY1"/>
+              </a:cxn>
+              <a:cxn ang="0">
+                <a:pos x="connsiteX2" y="connsiteY2"/>
+              </a:cxn>
+              <a:cxn ang="0">
+                <a:pos x="connsiteX3" y="connsiteY3"/>
+              </a:cxn>
+            </a:cxnLst>
+            <a:rect l="l" t="t" r="r" b="b"/>
+            <a:pathLst>
+              <a:path w="17463" h="915988">
+                <a:moveTo>
+                  <a:pt x="17463" y="915988"/>
+                </a:moveTo>
+                <a:lnTo>
+                  <a:pt x="0" y="0"/>
+                </a:lnTo>
+                <a:lnTo>
+                  <a:pt x="0" y="0"/>
+                </a:lnTo>
+                <a:lnTo>
+                  <a:pt x="0" y="0"/>
+                </a:lnTo>
+              </a:path>
+            </a:pathLst>
+          </a:custGeom>
+          <a:noFill/>
+        </p:spPr>
+        <p:style>
+          <a:lnRef idx="2">
+            <a:schemeClr val="accent1">
+              <a:shade val="50000"/>
+            </a:schemeClr>
+          </a:lnRef>
+          <a:fillRef idx="1">
+            <a:schemeClr val="accent1"/>
+          </a:fillRef>
+          <a:effectRef idx="0">
+            <a:schemeClr val="accent1"/>
+          </a:effectRef>
+          <a:fontRef idx="minor">
+            <a:schemeClr val="lt1"/>
+          </a:fontRef>
+        </p:style>
+        <p:txBody>
+          <a:bodyPr rtlCol="0" anchor="ctr"/>
+          <a:lstStyle/>
+          <a:p>
+            <a:pPr algn="ctr"/>
+            <a:endParaRPr lang="ru-RU"/>
+          </a:p>
+        </p:txBody>
+      </p:sp>
+      <p:sp>
+        <p:nvSpPr>
+          <p:cNvPr id="45" name="Полилиния: фигура 44">
+            <a:extLst>
+              <a:ext uri="{FF2B5EF4-FFF2-40B4-BE49-F238E27FC236}">
+                <a16:creationId xmlns:a16="http://schemas.microsoft.com/office/drawing/2014/main" id="{68C34BC6-6340-4141-8C62-14F1B1D94644}"/>
+              </a:ext>
+            </a:extLst>
+          </p:cNvPr>
+          <p:cNvSpPr/>
+          <p:nvPr/>
+        </p:nvSpPr>
+        <p:spPr>
+          <a:xfrm>
+            <a:off x="15373174" y="3530335"/>
+            <a:ext cx="17463" cy="915988"/>
+          </a:xfrm>
+          <a:custGeom>
+            <a:avLst/>
+            <a:gdLst>
+              <a:gd name="connsiteX0" fmla="*/ 17463 w 17463"/>
+              <a:gd name="connsiteY0" fmla="*/ 915988 h 915988"/>
+              <a:gd name="connsiteX1" fmla="*/ 0 w 17463"/>
+              <a:gd name="connsiteY1" fmla="*/ 0 h 915988"/>
+              <a:gd name="connsiteX2" fmla="*/ 0 w 17463"/>
+              <a:gd name="connsiteY2" fmla="*/ 0 h 915988"/>
+              <a:gd name="connsiteX3" fmla="*/ 0 w 17463"/>
+              <a:gd name="connsiteY3" fmla="*/ 0 h 915988"/>
+            </a:gdLst>
+            <a:ahLst/>
+            <a:cxnLst>
+              <a:cxn ang="0">
+                <a:pos x="connsiteX0" y="connsiteY0"/>
+              </a:cxn>
+              <a:cxn ang="0">
+                <a:pos x="connsiteX1" y="connsiteY1"/>
+              </a:cxn>
+              <a:cxn ang="0">
+                <a:pos x="connsiteX2" y="connsiteY2"/>
+              </a:cxn>
+              <a:cxn ang="0">
+                <a:pos x="connsiteX3" y="connsiteY3"/>
+              </a:cxn>
+            </a:cxnLst>
+            <a:rect l="l" t="t" r="r" b="b"/>
+            <a:pathLst>
+              <a:path w="17463" h="915988">
+                <a:moveTo>
+                  <a:pt x="17463" y="915988"/>
+                </a:moveTo>
+                <a:lnTo>
+                  <a:pt x="0" y="0"/>
+                </a:lnTo>
+                <a:lnTo>
+                  <a:pt x="0" y="0"/>
+                </a:lnTo>
+                <a:lnTo>
+                  <a:pt x="0" y="0"/>
+                </a:lnTo>
+              </a:path>
+            </a:pathLst>
+          </a:custGeom>
+          <a:noFill/>
+        </p:spPr>
+        <p:style>
+          <a:lnRef idx="2">
+            <a:schemeClr val="accent1">
+              <a:shade val="50000"/>
+            </a:schemeClr>
+          </a:lnRef>
+          <a:fillRef idx="1">
+            <a:schemeClr val="accent1"/>
+          </a:fillRef>
+          <a:effectRef idx="0">
+            <a:schemeClr val="accent1"/>
+          </a:effectRef>
+          <a:fontRef idx="minor">
+            <a:schemeClr val="lt1"/>
+          </a:fontRef>
+        </p:style>
+        <p:txBody>
+          <a:bodyPr rtlCol="0" anchor="ctr"/>
+          <a:lstStyle/>
+          <a:p>
+            <a:pPr algn="ctr"/>
+            <a:endParaRPr lang="ru-RU"/>
+          </a:p>
+        </p:txBody>
+      </p:sp>
     </p:spTree>
     <p:extLst>
       <p:ext uri="{BB962C8B-B14F-4D97-AF65-F5344CB8AC3E}">
@@ -5485,7 +6964,7 @@
         </p:blipFill>
         <p:spPr>
           <a:xfrm>
-            <a:off x="9080300" y="7865466"/>
+            <a:off x="8991600" y="7865466"/>
             <a:ext cx="2158283" cy="2158283"/>
           </a:xfrm>
           <a:prstGeom prst="rect">
